--- a/Notebooks/ppt/P00-WhoAmI.pptx
+++ b/Notebooks/ppt/P00-WhoAmI.pptx
@@ -215,7 +215,7 @@
           </a:lstStyle>
           <a:p>
             <a:fld id="{D545355E-5FF9-4642-BA46-DA355211E83C}" type="datetimeFigureOut">
-              <a:t>13/04/2020</a:t>
+              <a:t>14/04/2020</a:t>
             </a:fld>
             <a:endParaRPr lang="en-KR"/>
           </a:p>
@@ -709,7 +709,7 @@
           <a:lstStyle/>
           <a:p>
             <a:fld id="{181314E0-368F-624A-8F18-FD756C28B8B2}" type="datetimeFigureOut">
-              <a:t>13/04/2020</a:t>
+              <a:t>14/04/2020</a:t>
             </a:fld>
             <a:endParaRPr lang="en-KR"/>
           </a:p>
@@ -916,7 +916,7 @@
           <a:lstStyle/>
           <a:p>
             <a:fld id="{181314E0-368F-624A-8F18-FD756C28B8B2}" type="datetimeFigureOut">
-              <a:t>13/04/2020</a:t>
+              <a:t>14/04/2020</a:t>
             </a:fld>
             <a:endParaRPr lang="en-KR"/>
           </a:p>
@@ -1278,7 +1278,7 @@
           <a:lstStyle/>
           <a:p>
             <a:fld id="{181314E0-368F-624A-8F18-FD756C28B8B2}" type="datetimeFigureOut">
-              <a:t>13/04/2020</a:t>
+              <a:t>14/04/2020</a:t>
             </a:fld>
             <a:endParaRPr lang="en-KR"/>
           </a:p>
@@ -1446,7 +1446,7 @@
           <a:lstStyle/>
           <a:p>
             <a:fld id="{181314E0-368F-624A-8F18-FD756C28B8B2}" type="datetimeFigureOut">
-              <a:t>13/04/2020</a:t>
+              <a:t>14/04/2020</a:t>
             </a:fld>
             <a:endParaRPr lang="en-KR"/>
           </a:p>
@@ -1700,7 +1700,7 @@
           <a:lstStyle/>
           <a:p>
             <a:fld id="{181314E0-368F-624A-8F18-FD756C28B8B2}" type="datetimeFigureOut">
-              <a:t>13/04/2020</a:t>
+              <a:t>14/04/2020</a:t>
             </a:fld>
             <a:endParaRPr lang="en-KR"/>
           </a:p>
@@ -1873,7 +1873,7 @@
           <a:lstStyle/>
           <a:p>
             <a:fld id="{181314E0-368F-624A-8F18-FD756C28B8B2}" type="datetimeFigureOut">
-              <a:t>13/04/2020</a:t>
+              <a:t>14/04/2020</a:t>
             </a:fld>
             <a:endParaRPr lang="en-KR"/>
           </a:p>
@@ -2084,7 +2084,7 @@
           <a:lstStyle/>
           <a:p>
             <a:fld id="{181314E0-368F-624A-8F18-FD756C28B8B2}" type="datetimeFigureOut">
-              <a:t>13/04/2020</a:t>
+              <a:t>14/04/2020</a:t>
             </a:fld>
             <a:endParaRPr lang="en-KR"/>
           </a:p>
@@ -2295,7 +2295,7 @@
           <a:lstStyle/>
           <a:p>
             <a:fld id="{181314E0-368F-624A-8F18-FD756C28B8B2}" type="datetimeFigureOut">
-              <a:t>13/04/2020</a:t>
+              <a:t>14/04/2020</a:t>
             </a:fld>
             <a:endParaRPr lang="en-KR"/>
           </a:p>
@@ -2684,7 +2684,7 @@
           </a:lstStyle>
           <a:p>
             <a:fld id="{181314E0-368F-624A-8F18-FD756C28B8B2}" type="datetimeFigureOut">
-              <a:t>13/04/2020</a:t>
+              <a:t>14/04/2020</a:t>
             </a:fld>
             <a:endParaRPr lang="en-KR"/>
           </a:p>
@@ -3048,7 +3048,7 @@
           <a:lstStyle/>
           <a:p>
             <a:fld id="{181314E0-368F-624A-8F18-FD756C28B8B2}" type="datetimeFigureOut">
-              <a:t>13/04/2020</a:t>
+              <a:t>14/04/2020</a:t>
             </a:fld>
             <a:endParaRPr lang="en-KR"/>
           </a:p>
@@ -3321,7 +3321,7 @@
           <a:lstStyle/>
           <a:p>
             <a:fld id="{181314E0-368F-624A-8F18-FD756C28B8B2}" type="datetimeFigureOut">
-              <a:t>13/04/2020</a:t>
+              <a:t>14/04/2020</a:t>
             </a:fld>
             <a:endParaRPr lang="en-KR"/>
           </a:p>
@@ -3698,7 +3698,7 @@
           <a:lstStyle/>
           <a:p>
             <a:fld id="{181314E0-368F-624A-8F18-FD756C28B8B2}" type="datetimeFigureOut">
-              <a:t>13/04/2020</a:t>
+              <a:t>14/04/2020</a:t>
             </a:fld>
             <a:endParaRPr lang="en-KR"/>
           </a:p>
@@ -3814,7 +3814,7 @@
           <a:lstStyle/>
           <a:p>
             <a:fld id="{181314E0-368F-624A-8F18-FD756C28B8B2}" type="datetimeFigureOut">
-              <a:t>13/04/2020</a:t>
+              <a:t>14/04/2020</a:t>
             </a:fld>
             <a:endParaRPr lang="en-KR"/>
           </a:p>
@@ -4081,7 +4081,7 @@
           </a:lstStyle>
           <a:p>
             <a:fld id="{181314E0-368F-624A-8F18-FD756C28B8B2}" type="datetimeFigureOut">
-              <a:t>13/04/2020</a:t>
+              <a:t>14/04/2020</a:t>
             </a:fld>
             <a:endParaRPr lang="en-KR"/>
           </a:p>
@@ -5969,6 +5969,52 @@
               <a:t>do?</a:t>
             </a:r>
           </a:p>
+          <a:p>
+            <a:pPr lvl="1"/>
+            <a:r>
+              <a:rPr lang="en-US" altLang="ko-KR"/>
+              <a:t>Intro</a:t>
+            </a:r>
+          </a:p>
+          <a:p>
+            <a:pPr lvl="1"/>
+            <a:r>
+              <a:rPr lang="en-US" altLang="ko-KR"/>
+              <a:t>Intro to softwares and tools (IRAF, SAO Image ds9, Python, Git(Hub), Slack)</a:t>
+            </a:r>
+          </a:p>
+          <a:p>
+            <a:pPr lvl="1"/>
+            <a:r>
+              <a:rPr lang="en-US" altLang="ko-KR"/>
+              <a:t>Statistics</a:t>
+            </a:r>
+          </a:p>
+          <a:p>
+            <a:pPr lvl="1"/>
+            <a:r>
+              <a:rPr lang="en-US" altLang="ko-KR"/>
+              <a:t>Basics of Photometry</a:t>
+            </a:r>
+          </a:p>
+          <a:p>
+            <a:pPr lvl="1"/>
+            <a:r>
+              <a:rPr lang="en-US" altLang="ko-KR"/>
+              <a:t>Practical Photometry</a:t>
+            </a:r>
+          </a:p>
+          <a:p>
+            <a:pPr lvl="1"/>
+            <a:r>
+              <a:rPr lang="en-US" altLang="ko-KR"/>
+              <a:t>Much more (you will learn during your projects…?)</a:t>
+            </a:r>
+          </a:p>
+          <a:p>
+            <a:pPr lvl="1"/>
+            <a:endParaRPr lang="en-US" altLang="ko-KR"/>
+          </a:p>
         </p:txBody>
       </p:sp>
       <p:sp>
@@ -6002,431 +6048,6 @@
           </a:p>
         </p:txBody>
       </p:sp>
-      <p:graphicFrame>
-        <p:nvGraphicFramePr>
-          <p:cNvPr id="4" name="Table 3">
-            <a:extLst>
-              <a:ext uri="{FF2B5EF4-FFF2-40B4-BE49-F238E27FC236}">
-                <a16:creationId xmlns:a16="http://schemas.microsoft.com/office/drawing/2014/main" id="{493D420D-E786-E944-A164-782C94004F62}"/>
-              </a:ext>
-            </a:extLst>
-          </p:cNvPr>
-          <p:cNvGraphicFramePr>
-            <a:graphicFrameLocks noGrp="1"/>
-          </p:cNvGraphicFramePr>
-          <p:nvPr>
-            <p:extLst>
-              <p:ext uri="{D42A27DB-BD31-4B8C-83A1-F6EECF244321}">
-                <p14:modId xmlns:p14="http://schemas.microsoft.com/office/powerpoint/2010/main" val="593270968"/>
-              </p:ext>
-            </p:extLst>
-          </p:nvPr>
-        </p:nvGraphicFramePr>
-        <p:xfrm>
-          <a:off x="581573" y="1760191"/>
-          <a:ext cx="9655503" cy="4675122"/>
-        </p:xfrm>
-        <a:graphic>
-          <a:graphicData uri="http://schemas.openxmlformats.org/drawingml/2006/table">
-            <a:tbl>
-              <a:tblPr firstRow="1" bandRow="1">
-                <a:tableStyleId>{5C22544A-7EE6-4342-B048-85BDC9FD1C3A}</a:tableStyleId>
-              </a:tblPr>
-              <a:tblGrid>
-                <a:gridCol w="807399">
-                  <a:extLst>
-                    <a:ext uri="{9D8B030D-6E8A-4147-A177-3AD203B41FA5}">
-                      <a16:colId xmlns:a16="http://schemas.microsoft.com/office/drawing/2014/main" val="2408937803"/>
-                    </a:ext>
-                  </a:extLst>
-                </a:gridCol>
-                <a:gridCol w="5629603">
-                  <a:extLst>
-                    <a:ext uri="{9D8B030D-6E8A-4147-A177-3AD203B41FA5}">
-                      <a16:colId xmlns:a16="http://schemas.microsoft.com/office/drawing/2014/main" val="3857939832"/>
-                    </a:ext>
-                  </a:extLst>
-                </a:gridCol>
-                <a:gridCol w="3218501">
-                  <a:extLst>
-                    <a:ext uri="{9D8B030D-6E8A-4147-A177-3AD203B41FA5}">
-                      <a16:colId xmlns:a16="http://schemas.microsoft.com/office/drawing/2014/main" val="2429106641"/>
-                    </a:ext>
-                  </a:extLst>
-                </a:gridCol>
-              </a:tblGrid>
-              <a:tr h="520107">
-                <a:tc>
-                  <a:txBody>
-                    <a:bodyPr/>
-                    <a:lstStyle/>
-                    <a:p>
-                      <a:r>
-                        <a:rPr lang="en-KR"/>
-                        <a:t>#</a:t>
-                      </a:r>
-                    </a:p>
-                  </a:txBody>
-                  <a:tcPr/>
-                </a:tc>
-                <a:tc>
-                  <a:txBody>
-                    <a:bodyPr/>
-                    <a:lstStyle/>
-                    <a:p>
-                      <a:r>
-                        <a:rPr lang="en-KR"/>
-                        <a:t>Contents</a:t>
-                      </a:r>
-                    </a:p>
-                  </a:txBody>
-                  <a:tcPr/>
-                </a:tc>
-                <a:tc>
-                  <a:txBody>
-                    <a:bodyPr/>
-                    <a:lstStyle/>
-                    <a:p>
-                      <a:r>
-                        <a:rPr lang="en-KR"/>
-                        <a:t>HW</a:t>
-                      </a:r>
-                    </a:p>
-                  </a:txBody>
-                  <a:tcPr/>
-                </a:tc>
-                <a:extLst>
-                  <a:ext uri="{0D108BD9-81ED-4DB2-BD59-A6C34878D82A}">
-                    <a16:rowId xmlns:a16="http://schemas.microsoft.com/office/drawing/2014/main" val="1896903254"/>
-                  </a:ext>
-                </a:extLst>
-              </a:tr>
-              <a:tr h="520107">
-                <a:tc>
-                  <a:txBody>
-                    <a:bodyPr/>
-                    <a:lstStyle/>
-                    <a:p>
-                      <a:r>
-                        <a:rPr lang="en-KR"/>
-                        <a:t>1</a:t>
-                      </a:r>
-                    </a:p>
-                  </a:txBody>
-                  <a:tcPr/>
-                </a:tc>
-                <a:tc>
-                  <a:txBody>
-                    <a:bodyPr/>
-                    <a:lstStyle/>
-                    <a:p>
-                      <a:r>
-                        <a:rPr lang="en-KR"/>
-                        <a:t>Intro // </a:t>
-                      </a:r>
-                    </a:p>
-                    <a:p>
-                      <a:r>
-                        <a:rPr lang="en-KR"/>
-                        <a:t>Intro of IRAF, SAO DS9, </a:t>
-                      </a:r>
-                    </a:p>
-                    <a:p>
-                      <a:r>
-                        <a:rPr lang="en-KR"/>
-                        <a:t>Python, Git(Hub), Slack</a:t>
-                      </a:r>
-                    </a:p>
-                  </a:txBody>
-                  <a:tcPr/>
-                </a:tc>
-                <a:tc>
-                  <a:txBody>
-                    <a:bodyPr/>
-                    <a:lstStyle/>
-                    <a:p>
-                      <a:r>
-                        <a:rPr lang="en-KR"/>
-                        <a:t>#1 make GitHub account</a:t>
-                      </a:r>
-                    </a:p>
-                    <a:p>
-                      <a:r>
-                        <a:rPr lang="en-KR"/>
-                        <a:t>#2 join our Slack workspace</a:t>
-                      </a:r>
-                    </a:p>
-                    <a:p>
-                      <a:r>
-                        <a:rPr lang="en-KR"/>
-                        <a:t>#3 install Anaconda, DS9</a:t>
-                      </a:r>
-                    </a:p>
-                  </a:txBody>
-                  <a:tcPr/>
-                </a:tc>
-                <a:extLst>
-                  <a:ext uri="{0D108BD9-81ED-4DB2-BD59-A6C34878D82A}">
-                    <a16:rowId xmlns:a16="http://schemas.microsoft.com/office/drawing/2014/main" val="1061082621"/>
-                  </a:ext>
-                </a:extLst>
-              </a:tr>
-              <a:tr h="520107">
-                <a:tc>
-                  <a:txBody>
-                    <a:bodyPr/>
-                    <a:lstStyle/>
-                    <a:p>
-                      <a:r>
-                        <a:rPr lang="en-KR"/>
-                        <a:t>2</a:t>
-                      </a:r>
-                    </a:p>
-                  </a:txBody>
-                  <a:tcPr/>
-                </a:tc>
-                <a:tc>
-                  <a:txBody>
-                    <a:bodyPr/>
-                    <a:lstStyle/>
-                    <a:p>
-                      <a:r>
-                        <a:rPr lang="en-KR"/>
-                        <a:t>Basic statistics</a:t>
-                      </a:r>
-                    </a:p>
-                  </a:txBody>
-                  <a:tcPr/>
-                </a:tc>
-                <a:tc>
-                  <a:txBody>
-                    <a:bodyPr/>
-                    <a:lstStyle/>
-                    <a:p>
-                      <a:r>
-                        <a:rPr lang="en-KR"/>
-                        <a:t>#4 basic python</a:t>
-                      </a:r>
-                    </a:p>
-                    <a:p>
-                      <a:r>
-                        <a:rPr lang="en-KR"/>
-                        <a:t>#5 basic numpy</a:t>
-                      </a:r>
-                    </a:p>
-                  </a:txBody>
-                  <a:tcPr/>
-                </a:tc>
-                <a:extLst>
-                  <a:ext uri="{0D108BD9-81ED-4DB2-BD59-A6C34878D82A}">
-                    <a16:rowId xmlns:a16="http://schemas.microsoft.com/office/drawing/2014/main" val="181430605"/>
-                  </a:ext>
-                </a:extLst>
-              </a:tr>
-              <a:tr h="520107">
-                <a:tc>
-                  <a:txBody>
-                    <a:bodyPr/>
-                    <a:lstStyle/>
-                    <a:p>
-                      <a:r>
-                        <a:rPr lang="en-KR"/>
-                        <a:t>3</a:t>
-                      </a:r>
-                    </a:p>
-                  </a:txBody>
-                  <a:tcPr/>
-                </a:tc>
-                <a:tc>
-                  <a:txBody>
-                    <a:bodyPr/>
-                    <a:lstStyle/>
-                    <a:p>
-                      <a:endParaRPr lang="en-KR"/>
-                    </a:p>
-                  </a:txBody>
-                  <a:tcPr/>
-                </a:tc>
-                <a:tc>
-                  <a:txBody>
-                    <a:bodyPr/>
-                    <a:lstStyle/>
-                    <a:p>
-                      <a:endParaRPr lang="en-KR"/>
-                    </a:p>
-                  </a:txBody>
-                  <a:tcPr/>
-                </a:tc>
-                <a:extLst>
-                  <a:ext uri="{0D108BD9-81ED-4DB2-BD59-A6C34878D82A}">
-                    <a16:rowId xmlns:a16="http://schemas.microsoft.com/office/drawing/2014/main" val="100098150"/>
-                  </a:ext>
-                </a:extLst>
-              </a:tr>
-              <a:tr h="520107">
-                <a:tc>
-                  <a:txBody>
-                    <a:bodyPr/>
-                    <a:lstStyle/>
-                    <a:p>
-                      <a:r>
-                        <a:rPr lang="en-KR"/>
-                        <a:t>4</a:t>
-                      </a:r>
-                    </a:p>
-                  </a:txBody>
-                  <a:tcPr/>
-                </a:tc>
-                <a:tc>
-                  <a:txBody>
-                    <a:bodyPr/>
-                    <a:lstStyle/>
-                    <a:p>
-                      <a:endParaRPr lang="en-KR"/>
-                    </a:p>
-                  </a:txBody>
-                  <a:tcPr/>
-                </a:tc>
-                <a:tc>
-                  <a:txBody>
-                    <a:bodyPr/>
-                    <a:lstStyle/>
-                    <a:p>
-                      <a:endParaRPr lang="en-KR"/>
-                    </a:p>
-                  </a:txBody>
-                  <a:tcPr/>
-                </a:tc>
-                <a:extLst>
-                  <a:ext uri="{0D108BD9-81ED-4DB2-BD59-A6C34878D82A}">
-                    <a16:rowId xmlns:a16="http://schemas.microsoft.com/office/drawing/2014/main" val="1956541363"/>
-                  </a:ext>
-                </a:extLst>
-              </a:tr>
-              <a:tr h="520107">
-                <a:tc>
-                  <a:txBody>
-                    <a:bodyPr/>
-                    <a:lstStyle/>
-                    <a:p>
-                      <a:r>
-                        <a:rPr lang="en-KR"/>
-                        <a:t>5</a:t>
-                      </a:r>
-                    </a:p>
-                  </a:txBody>
-                  <a:tcPr/>
-                </a:tc>
-                <a:tc>
-                  <a:txBody>
-                    <a:bodyPr/>
-                    <a:lstStyle/>
-                    <a:p>
-                      <a:endParaRPr lang="en-KR"/>
-                    </a:p>
-                  </a:txBody>
-                  <a:tcPr/>
-                </a:tc>
-                <a:tc>
-                  <a:txBody>
-                    <a:bodyPr/>
-                    <a:lstStyle/>
-                    <a:p>
-                      <a:endParaRPr lang="en-KR"/>
-                    </a:p>
-                  </a:txBody>
-                  <a:tcPr/>
-                </a:tc>
-                <a:extLst>
-                  <a:ext uri="{0D108BD9-81ED-4DB2-BD59-A6C34878D82A}">
-                    <a16:rowId xmlns:a16="http://schemas.microsoft.com/office/drawing/2014/main" val="2330480309"/>
-                  </a:ext>
-                </a:extLst>
-              </a:tr>
-              <a:tr h="520107">
-                <a:tc>
-                  <a:txBody>
-                    <a:bodyPr/>
-                    <a:lstStyle/>
-                    <a:p>
-                      <a:r>
-                        <a:rPr lang="en-KR"/>
-                        <a:t>6</a:t>
-                      </a:r>
-                    </a:p>
-                  </a:txBody>
-                  <a:tcPr/>
-                </a:tc>
-                <a:tc>
-                  <a:txBody>
-                    <a:bodyPr/>
-                    <a:lstStyle/>
-                    <a:p>
-                      <a:endParaRPr lang="en-KR"/>
-                    </a:p>
-                  </a:txBody>
-                  <a:tcPr/>
-                </a:tc>
-                <a:tc>
-                  <a:txBody>
-                    <a:bodyPr/>
-                    <a:lstStyle/>
-                    <a:p>
-                      <a:endParaRPr lang="en-KR"/>
-                    </a:p>
-                  </a:txBody>
-                  <a:tcPr/>
-                </a:tc>
-                <a:extLst>
-                  <a:ext uri="{0D108BD9-81ED-4DB2-BD59-A6C34878D82A}">
-                    <a16:rowId xmlns:a16="http://schemas.microsoft.com/office/drawing/2014/main" val="1605688894"/>
-                  </a:ext>
-                </a:extLst>
-              </a:tr>
-              <a:tr h="520107">
-                <a:tc>
-                  <a:txBody>
-                    <a:bodyPr/>
-                    <a:lstStyle/>
-                    <a:p>
-                      <a:r>
-                        <a:rPr lang="en-KR"/>
-                        <a:t>7</a:t>
-                      </a:r>
-                    </a:p>
-                  </a:txBody>
-                  <a:tcPr/>
-                </a:tc>
-                <a:tc>
-                  <a:txBody>
-                    <a:bodyPr/>
-                    <a:lstStyle/>
-                    <a:p>
-                      <a:endParaRPr lang="en-KR"/>
-                    </a:p>
-                  </a:txBody>
-                  <a:tcPr/>
-                </a:tc>
-                <a:tc>
-                  <a:txBody>
-                    <a:bodyPr/>
-                    <a:lstStyle/>
-                    <a:p>
-                      <a:endParaRPr lang="en-KR"/>
-                    </a:p>
-                  </a:txBody>
-                  <a:tcPr/>
-                </a:tc>
-                <a:extLst>
-                  <a:ext uri="{0D108BD9-81ED-4DB2-BD59-A6C34878D82A}">
-                    <a16:rowId xmlns:a16="http://schemas.microsoft.com/office/drawing/2014/main" val="2023599460"/>
-                  </a:ext>
-                </a:extLst>
-              </a:tr>
-            </a:tbl>
-          </a:graphicData>
-        </a:graphic>
-      </p:graphicFrame>
     </p:spTree>
     <p:extLst>
       <p:ext uri="{BB962C8B-B14F-4D97-AF65-F5344CB8AC3E}">

--- a/Notebooks/ppt/P00-WhoAmI.pptx
+++ b/Notebooks/ppt/P00-WhoAmI.pptx
@@ -215,7 +215,7 @@
           </a:lstStyle>
           <a:p>
             <a:fld id="{D545355E-5FF9-4642-BA46-DA355211E83C}" type="datetimeFigureOut">
-              <a:t>14/04/2020</a:t>
+              <a:t>07/09/2020</a:t>
             </a:fld>
             <a:endParaRPr lang="en-KR"/>
           </a:p>
@@ -709,7 +709,7 @@
           <a:lstStyle/>
           <a:p>
             <a:fld id="{181314E0-368F-624A-8F18-FD756C28B8B2}" type="datetimeFigureOut">
-              <a:t>14/04/2020</a:t>
+              <a:t>07/09/2020</a:t>
             </a:fld>
             <a:endParaRPr lang="en-KR"/>
           </a:p>
@@ -916,7 +916,7 @@
           <a:lstStyle/>
           <a:p>
             <a:fld id="{181314E0-368F-624A-8F18-FD756C28B8B2}" type="datetimeFigureOut">
-              <a:t>14/04/2020</a:t>
+              <a:t>07/09/2020</a:t>
             </a:fld>
             <a:endParaRPr lang="en-KR"/>
           </a:p>
@@ -1278,7 +1278,7 @@
           <a:lstStyle/>
           <a:p>
             <a:fld id="{181314E0-368F-624A-8F18-FD756C28B8B2}" type="datetimeFigureOut">
-              <a:t>14/04/2020</a:t>
+              <a:t>07/09/2020</a:t>
             </a:fld>
             <a:endParaRPr lang="en-KR"/>
           </a:p>
@@ -1446,7 +1446,7 @@
           <a:lstStyle/>
           <a:p>
             <a:fld id="{181314E0-368F-624A-8F18-FD756C28B8B2}" type="datetimeFigureOut">
-              <a:t>14/04/2020</a:t>
+              <a:t>07/09/2020</a:t>
             </a:fld>
             <a:endParaRPr lang="en-KR"/>
           </a:p>
@@ -1700,7 +1700,7 @@
           <a:lstStyle/>
           <a:p>
             <a:fld id="{181314E0-368F-624A-8F18-FD756C28B8B2}" type="datetimeFigureOut">
-              <a:t>14/04/2020</a:t>
+              <a:t>07/09/2020</a:t>
             </a:fld>
             <a:endParaRPr lang="en-KR"/>
           </a:p>
@@ -1873,7 +1873,7 @@
           <a:lstStyle/>
           <a:p>
             <a:fld id="{181314E0-368F-624A-8F18-FD756C28B8B2}" type="datetimeFigureOut">
-              <a:t>14/04/2020</a:t>
+              <a:t>07/09/2020</a:t>
             </a:fld>
             <a:endParaRPr lang="en-KR"/>
           </a:p>
@@ -2084,7 +2084,7 @@
           <a:lstStyle/>
           <a:p>
             <a:fld id="{181314E0-368F-624A-8F18-FD756C28B8B2}" type="datetimeFigureOut">
-              <a:t>14/04/2020</a:t>
+              <a:t>07/09/2020</a:t>
             </a:fld>
             <a:endParaRPr lang="en-KR"/>
           </a:p>
@@ -2295,7 +2295,7 @@
           <a:lstStyle/>
           <a:p>
             <a:fld id="{181314E0-368F-624A-8F18-FD756C28B8B2}" type="datetimeFigureOut">
-              <a:t>14/04/2020</a:t>
+              <a:t>07/09/2020</a:t>
             </a:fld>
             <a:endParaRPr lang="en-KR"/>
           </a:p>
@@ -2684,7 +2684,7 @@
           </a:lstStyle>
           <a:p>
             <a:fld id="{181314E0-368F-624A-8F18-FD756C28B8B2}" type="datetimeFigureOut">
-              <a:t>14/04/2020</a:t>
+              <a:t>07/09/2020</a:t>
             </a:fld>
             <a:endParaRPr lang="en-KR"/>
           </a:p>
@@ -3048,7 +3048,7 @@
           <a:lstStyle/>
           <a:p>
             <a:fld id="{181314E0-368F-624A-8F18-FD756C28B8B2}" type="datetimeFigureOut">
-              <a:t>14/04/2020</a:t>
+              <a:t>07/09/2020</a:t>
             </a:fld>
             <a:endParaRPr lang="en-KR"/>
           </a:p>
@@ -3321,7 +3321,7 @@
           <a:lstStyle/>
           <a:p>
             <a:fld id="{181314E0-368F-624A-8F18-FD756C28B8B2}" type="datetimeFigureOut">
-              <a:t>14/04/2020</a:t>
+              <a:t>07/09/2020</a:t>
             </a:fld>
             <a:endParaRPr lang="en-KR"/>
           </a:p>
@@ -3698,7 +3698,7 @@
           <a:lstStyle/>
           <a:p>
             <a:fld id="{181314E0-368F-624A-8F18-FD756C28B8B2}" type="datetimeFigureOut">
-              <a:t>14/04/2020</a:t>
+              <a:t>07/09/2020</a:t>
             </a:fld>
             <a:endParaRPr lang="en-KR"/>
           </a:p>
@@ -3814,7 +3814,7 @@
           <a:lstStyle/>
           <a:p>
             <a:fld id="{181314E0-368F-624A-8F18-FD756C28B8B2}" type="datetimeFigureOut">
-              <a:t>14/04/2020</a:t>
+              <a:t>07/09/2020</a:t>
             </a:fld>
             <a:endParaRPr lang="en-KR"/>
           </a:p>
@@ -4081,7 +4081,7 @@
           </a:lstStyle>
           <a:p>
             <a:fld id="{181314E0-368F-624A-8F18-FD756C28B8B2}" type="datetimeFigureOut">
-              <a:t>14/04/2020</a:t>
+              <a:t>07/09/2020</a:t>
             </a:fld>
             <a:endParaRPr lang="en-KR"/>
           </a:p>
@@ -4748,12 +4748,6 @@
           </a:p>
           <a:p>
             <a:endParaRPr lang="en-US" altLang="ko-KR"/>
-          </a:p>
-          <a:p>
-            <a:r>
-              <a:rPr lang="en-US" altLang="ko-KR"/>
-              <a:t>010-2259-3199 // dbstn95@gmail.com</a:t>
-            </a:r>
           </a:p>
           <a:p>
             <a:endParaRPr lang="en-US" altLang="ko-KR"/>
